--- a/ppt/10-svm-model.pptx
+++ b/ppt/10-svm-model.pptx
@@ -216,7 +216,7 @@
           <a:p>
             <a:fld id="{C532CDA2-750D-FD45-A882-179FF79AAE4D}" type="datetimeFigureOut">
               <a:rPr kumimoji="1" lang="zh-CN" altLang="en-US" smtClean="0"/>
-              <a:t>2020/12/6</a:t>
+              <a:t>2022/9/7</a:t>
             </a:fld>
             <a:endParaRPr kumimoji="1" lang="zh-CN" altLang="en-US"/>
           </a:p>
@@ -614,7 +614,7 @@
           <a:p>
             <a:fld id="{863083FF-67D0-47DA-8916-8A170DE3AF72}" type="datetimeFigureOut">
               <a:rPr lang="zh-CN" altLang="en-US" smtClean="0"/>
-              <a:t>2020/12/6</a:t>
+              <a:t>2022/9/7</a:t>
             </a:fld>
             <a:endParaRPr lang="zh-CN" altLang="en-US"/>
           </a:p>
@@ -784,7 +784,7 @@
           <a:p>
             <a:fld id="{863083FF-67D0-47DA-8916-8A170DE3AF72}" type="datetimeFigureOut">
               <a:rPr lang="zh-CN" altLang="en-US" smtClean="0"/>
-              <a:t>2020/12/6</a:t>
+              <a:t>2022/9/7</a:t>
             </a:fld>
             <a:endParaRPr lang="zh-CN" altLang="en-US"/>
           </a:p>
@@ -964,7 +964,7 @@
           <a:p>
             <a:fld id="{863083FF-67D0-47DA-8916-8A170DE3AF72}" type="datetimeFigureOut">
               <a:rPr lang="zh-CN" altLang="en-US" smtClean="0"/>
-              <a:t>2020/12/6</a:t>
+              <a:t>2022/9/7</a:t>
             </a:fld>
             <a:endParaRPr lang="zh-CN" altLang="en-US"/>
           </a:p>
@@ -1134,7 +1134,7 @@
           <a:p>
             <a:fld id="{863083FF-67D0-47DA-8916-8A170DE3AF72}" type="datetimeFigureOut">
               <a:rPr lang="zh-CN" altLang="en-US" smtClean="0"/>
-              <a:t>2020/12/6</a:t>
+              <a:t>2022/9/7</a:t>
             </a:fld>
             <a:endParaRPr lang="zh-CN" altLang="en-US"/>
           </a:p>
@@ -1378,7 +1378,7 @@
           <a:p>
             <a:fld id="{863083FF-67D0-47DA-8916-8A170DE3AF72}" type="datetimeFigureOut">
               <a:rPr lang="zh-CN" altLang="en-US" smtClean="0"/>
-              <a:t>2020/12/6</a:t>
+              <a:t>2022/9/7</a:t>
             </a:fld>
             <a:endParaRPr lang="zh-CN" altLang="en-US"/>
           </a:p>
@@ -1610,7 +1610,7 @@
           <a:p>
             <a:fld id="{863083FF-67D0-47DA-8916-8A170DE3AF72}" type="datetimeFigureOut">
               <a:rPr lang="zh-CN" altLang="en-US" smtClean="0"/>
-              <a:t>2020/12/6</a:t>
+              <a:t>2022/9/7</a:t>
             </a:fld>
             <a:endParaRPr lang="zh-CN" altLang="en-US"/>
           </a:p>
@@ -1977,7 +1977,7 @@
           <a:p>
             <a:fld id="{863083FF-67D0-47DA-8916-8A170DE3AF72}" type="datetimeFigureOut">
               <a:rPr lang="zh-CN" altLang="en-US" smtClean="0"/>
-              <a:t>2020/12/6</a:t>
+              <a:t>2022/9/7</a:t>
             </a:fld>
             <a:endParaRPr lang="zh-CN" altLang="en-US"/>
           </a:p>
@@ -2095,7 +2095,7 @@
           <a:p>
             <a:fld id="{863083FF-67D0-47DA-8916-8A170DE3AF72}" type="datetimeFigureOut">
               <a:rPr lang="zh-CN" altLang="en-US" smtClean="0"/>
-              <a:t>2020/12/6</a:t>
+              <a:t>2022/9/7</a:t>
             </a:fld>
             <a:endParaRPr lang="zh-CN" altLang="en-US"/>
           </a:p>
@@ -2190,7 +2190,7 @@
           <a:p>
             <a:fld id="{863083FF-67D0-47DA-8916-8A170DE3AF72}" type="datetimeFigureOut">
               <a:rPr lang="zh-CN" altLang="en-US" smtClean="0"/>
-              <a:t>2020/12/6</a:t>
+              <a:t>2022/9/7</a:t>
             </a:fld>
             <a:endParaRPr lang="zh-CN" altLang="en-US"/>
           </a:p>
@@ -2467,7 +2467,7 @@
           <a:p>
             <a:fld id="{863083FF-67D0-47DA-8916-8A170DE3AF72}" type="datetimeFigureOut">
               <a:rPr lang="zh-CN" altLang="en-US" smtClean="0"/>
-              <a:t>2020/12/6</a:t>
+              <a:t>2022/9/7</a:t>
             </a:fld>
             <a:endParaRPr lang="zh-CN" altLang="en-US"/>
           </a:p>
@@ -2724,7 +2724,7 @@
           <a:p>
             <a:fld id="{863083FF-67D0-47DA-8916-8A170DE3AF72}" type="datetimeFigureOut">
               <a:rPr lang="zh-CN" altLang="en-US" smtClean="0"/>
-              <a:t>2020/12/6</a:t>
+              <a:t>2022/9/7</a:t>
             </a:fld>
             <a:endParaRPr lang="zh-CN" altLang="en-US"/>
           </a:p>
@@ -2937,7 +2937,7 @@
           <a:p>
             <a:fld id="{863083FF-67D0-47DA-8916-8A170DE3AF72}" type="datetimeFigureOut">
               <a:rPr lang="zh-CN" altLang="en-US" smtClean="0"/>
-              <a:t>2020/12/6</a:t>
+              <a:t>2022/9/7</a:t>
             </a:fld>
             <a:endParaRPr lang="zh-CN" altLang="en-US"/>
           </a:p>
@@ -3782,7 +3782,10 @@
               <a:rPr lang="en-US" altLang="zh-CN" dirty="0"/>
               <a:t>Margin</a:t>
             </a:r>
-            <a:endParaRPr lang="zh-CN" altLang="en-US" dirty="0"/>
+            <a:r>
+              <a:rPr lang="zh-CN" altLang="en-US" dirty="0"/>
+              <a:t>的数学描述</a:t>
+            </a:r>
           </a:p>
         </p:txBody>
       </p:sp>
@@ -3826,7 +3829,7 @@
         </p:blipFill>
         <p:spPr>
           <a:xfrm>
-            <a:off x="1954530" y="4703783"/>
+            <a:off x="1847850" y="4703086"/>
             <a:ext cx="6667500" cy="1866900"/>
           </a:xfrm>
           <a:prstGeom prst="rect">
@@ -3850,7 +3853,7 @@
         </p:blipFill>
         <p:spPr>
           <a:xfrm>
-            <a:off x="706755" y="4150540"/>
+            <a:off x="600075" y="4149843"/>
             <a:ext cx="2495550" cy="485775"/>
           </a:xfrm>
           <a:prstGeom prst="rect">
@@ -3860,65 +3863,14 @@
       </p:pic>
       <p:sp>
         <p:nvSpPr>
-          <p:cNvPr id="8" name="内容占位符 2"/>
-          <p:cNvSpPr>
-            <a:spLocks noGrp="1"/>
-          </p:cNvSpPr>
-          <p:nvPr>
-            <p:ph idx="1"/>
-          </p:nvPr>
-        </p:nvSpPr>
-        <p:spPr>
-          <a:xfrm>
-            <a:off x="628650" y="1996425"/>
-            <a:ext cx="7886700" cy="553403"/>
-          </a:xfrm>
-        </p:spPr>
-        <p:txBody>
-          <a:bodyPr>
-            <a:noAutofit/>
-          </a:bodyPr>
-          <a:lstStyle/>
-          <a:p>
-            <a:pPr marL="0" indent="0">
-              <a:buNone/>
-            </a:pPr>
-            <a:r>
-              <a:rPr lang="en-US" altLang="zh-CN" sz="3600" dirty="0"/>
-              <a:t>AM</a:t>
-            </a:r>
-            <a:r>
-              <a:rPr lang="zh-CN" altLang="en-US" sz="3600" dirty="0"/>
-              <a:t>在</a:t>
-            </a:r>
-            <a:r>
-              <a:rPr lang="en-US" altLang="zh-CN" sz="3600" dirty="0"/>
-              <a:t>w</a:t>
-            </a:r>
-            <a:r>
-              <a:rPr lang="zh-CN" altLang="en-US" sz="3600" dirty="0"/>
-              <a:t>上的投影</a:t>
-            </a:r>
-            <a:endParaRPr lang="en-US" altLang="zh-CN" sz="3600" dirty="0"/>
-          </a:p>
-          <a:p>
-            <a:pPr marL="0" indent="0">
-              <a:buNone/>
-            </a:pPr>
-            <a:endParaRPr lang="en-US" altLang="zh-CN" sz="3600" dirty="0"/>
-          </a:p>
-        </p:txBody>
-      </p:sp>
-      <p:sp>
-        <p:nvSpPr>
           <p:cNvPr id="3" name="矩形 2"/>
           <p:cNvSpPr/>
           <p:nvPr/>
         </p:nvSpPr>
         <p:spPr>
           <a:xfrm>
-            <a:off x="633027" y="2674016"/>
-            <a:ext cx="2358338" cy="1384995"/>
+            <a:off x="600075" y="1690689"/>
+            <a:ext cx="3111749" cy="2246769"/>
           </a:xfrm>
           <a:prstGeom prst="rect">
             <a:avLst/>
@@ -3932,11 +3884,11 @@
           <a:p>
             <a:r>
               <a:rPr lang="en-US" altLang="zh-CN" sz="2800" b="1" dirty="0"/>
-              <a:t>M</a:t>
+              <a:t>A</a:t>
             </a:r>
             <a:r>
               <a:rPr lang="zh-CN" altLang="en-US" sz="2800" b="1" dirty="0"/>
-              <a:t>在</a:t>
+              <a:t>到</a:t>
             </a:r>
             <a:r>
               <a:rPr lang="en-US" altLang="zh-CN" sz="2800" b="1" dirty="0"/>
@@ -3944,7 +3896,7 @@
             </a:r>
             <a:r>
               <a:rPr lang="zh-CN" altLang="en-US" sz="2800" b="1" dirty="0"/>
-              <a:t>上</a:t>
+              <a:t>的距离：</a:t>
             </a:r>
             <a:endParaRPr lang="en-US" altLang="zh-CN" sz="2800" b="1" dirty="0"/>
           </a:p>
@@ -3954,11 +3906,11 @@
           <a:p>
             <a:r>
               <a:rPr lang="en-US" altLang="zh-CN" sz="2800" b="1" dirty="0"/>
-              <a:t>A</a:t>
+              <a:t>M</a:t>
             </a:r>
             <a:r>
               <a:rPr lang="zh-CN" altLang="en-US" sz="2800" b="1" dirty="0"/>
-              <a:t>到</a:t>
+              <a:t> 是 </a:t>
             </a:r>
             <a:r>
               <a:rPr lang="en-US" altLang="zh-CN" sz="2800" b="1" dirty="0"/>
@@ -3966,8 +3918,39 @@
             </a:r>
             <a:r>
               <a:rPr lang="zh-CN" altLang="en-US" sz="2800" b="1" dirty="0"/>
-              <a:t>的距离：</a:t>
-            </a:r>
+              <a:t> 上任一个点</a:t>
+            </a:r>
+            <a:endParaRPr lang="en-US" altLang="zh-CN" sz="2800" b="1" dirty="0"/>
+          </a:p>
+          <a:p>
+            <a:r>
+              <a:rPr lang="en-US" altLang="zh-CN" sz="2800" b="1" dirty="0"/>
+              <a:t>w</a:t>
+            </a:r>
+            <a:r>
+              <a:rPr lang="zh-CN" altLang="en-US" sz="2800" b="1" dirty="0"/>
+              <a:t>为单位向量</a:t>
+            </a:r>
+            <a:endParaRPr lang="en-US" altLang="zh-CN" sz="2800" b="1" dirty="0"/>
+          </a:p>
+          <a:p>
+            <a:r>
+              <a:rPr lang="en-US" altLang="zh-CN" sz="2800" dirty="0"/>
+              <a:t>AM</a:t>
+            </a:r>
+            <a:r>
+              <a:rPr lang="zh-CN" altLang="en-US" sz="2800" dirty="0"/>
+              <a:t>在</a:t>
+            </a:r>
+            <a:r>
+              <a:rPr lang="en-US" altLang="zh-CN" sz="2800" dirty="0"/>
+              <a:t>w</a:t>
+            </a:r>
+            <a:r>
+              <a:rPr lang="zh-CN" altLang="en-US" sz="2800" dirty="0"/>
+              <a:t>上的投影：</a:t>
+            </a:r>
+            <a:endParaRPr lang="en-US" altLang="zh-CN" sz="2800" dirty="0"/>
           </a:p>
         </p:txBody>
       </p:sp>
@@ -4014,6 +3997,105 @@
               </a:rPr>
               <a:t>为单位向量</a:t>
             </a:r>
+          </a:p>
+        </p:txBody>
+      </p:sp>
+      <p:sp>
+        <p:nvSpPr>
+          <p:cNvPr id="10" name="矩形 9">
+            <a:extLst>
+              <a:ext uri="{FF2B5EF4-FFF2-40B4-BE49-F238E27FC236}">
+                <a16:creationId xmlns:a16="http://schemas.microsoft.com/office/drawing/2014/main" id="{AB3E4CFC-6675-3941-B0F1-B945FC4A2A0F}"/>
+              </a:ext>
+            </a:extLst>
+          </p:cNvPr>
+          <p:cNvSpPr/>
+          <p:nvPr/>
+        </p:nvSpPr>
+        <p:spPr>
+          <a:xfrm>
+            <a:off x="4579833" y="6268122"/>
+            <a:ext cx="4237057" cy="369332"/>
+          </a:xfrm>
+          <a:prstGeom prst="rect">
+            <a:avLst/>
+          </a:prstGeom>
+        </p:spPr>
+        <p:txBody>
+          <a:bodyPr wrap="none">
+            <a:spAutoFit/>
+          </a:bodyPr>
+          <a:lstStyle/>
+          <a:p>
+            <a:r>
+              <a:rPr lang="en-US" altLang="zh-CN" b="1" dirty="0">
+                <a:solidFill>
+                  <a:srgbClr val="FF0000"/>
+                </a:solidFill>
+              </a:rPr>
+              <a:t>w</a:t>
+            </a:r>
+            <a:r>
+              <a:rPr lang="zh-CN" altLang="en-US" b="1" dirty="0">
+                <a:solidFill>
+                  <a:srgbClr val="FF0000"/>
+                </a:solidFill>
+              </a:rPr>
+              <a:t>为单位向量时，</a:t>
+            </a:r>
+            <a:r>
+              <a:rPr lang="en-US" altLang="zh-CN" b="1" dirty="0" err="1">
+                <a:solidFill>
+                  <a:srgbClr val="FF0000"/>
+                </a:solidFill>
+              </a:rPr>
+              <a:t>wx+b</a:t>
+            </a:r>
+            <a:r>
+              <a:rPr lang="zh-CN" altLang="en-US" b="1" dirty="0">
+                <a:solidFill>
+                  <a:srgbClr val="FF0000"/>
+                </a:solidFill>
+              </a:rPr>
+              <a:t> 就是 </a:t>
+            </a:r>
+            <a:r>
+              <a:rPr lang="en-US" altLang="zh-CN" b="1" dirty="0">
+                <a:solidFill>
+                  <a:srgbClr val="FF0000"/>
+                </a:solidFill>
+              </a:rPr>
+              <a:t>A</a:t>
+            </a:r>
+            <a:r>
+              <a:rPr lang="zh-CN" altLang="en-US" b="1" dirty="0">
+                <a:solidFill>
+                  <a:srgbClr val="FF0000"/>
+                </a:solidFill>
+              </a:rPr>
+              <a:t>到</a:t>
+            </a:r>
+            <a:r>
+              <a:rPr lang="en-US" altLang="zh-CN" b="1" dirty="0">
+                <a:solidFill>
+                  <a:srgbClr val="FF0000"/>
+                </a:solidFill>
+              </a:rPr>
+              <a:t>L</a:t>
+            </a:r>
+            <a:r>
+              <a:rPr lang="zh-CN" altLang="en-US" b="1" dirty="0">
+                <a:solidFill>
+                  <a:srgbClr val="FF0000"/>
+                </a:solidFill>
+              </a:rPr>
+              <a:t>的距离</a:t>
+            </a:r>
+            <a:endParaRPr lang="zh-CN" altLang="en-US" dirty="0">
+              <a:solidFill>
+                <a:srgbClr val="FF0000"/>
+              </a:solidFill>
+            </a:endParaRPr>
           </a:p>
         </p:txBody>
       </p:sp>
@@ -4186,8 +4268,8 @@
         </p:blipFill>
         <p:spPr>
           <a:xfrm>
-            <a:off x="1612771" y="4238094"/>
-            <a:ext cx="3797066" cy="1320150"/>
+            <a:off x="802289" y="4774012"/>
+            <a:ext cx="4978435" cy="1730884"/>
           </a:xfrm>
           <a:prstGeom prst="rect">
             <a:avLst/>
@@ -4344,12 +4426,8 @@
           <a:lstStyle/>
           <a:p>
             <a:r>
-              <a:rPr lang="en-US" altLang="zh-CN" dirty="0"/>
-              <a:t>SVM</a:t>
-            </a:r>
-            <a:r>
               <a:rPr lang="zh-CN" altLang="en-US" dirty="0"/>
-              <a:t>求最佳分割平面</a:t>
+              <a:t>支持向量：决定最佳分割平面</a:t>
             </a:r>
           </a:p>
         </p:txBody>
@@ -4558,27 +4636,80 @@
             <p:ph idx="1"/>
           </p:nvPr>
         </p:nvSpPr>
-        <p:spPr/>
-        <p:txBody>
-          <a:bodyPr/>
+        <p:spPr>
+          <a:xfrm>
+            <a:off x="628650" y="1825624"/>
+            <a:ext cx="7886700" cy="4628963"/>
+          </a:xfrm>
+        </p:spPr>
+        <p:txBody>
+          <a:bodyPr>
+            <a:normAutofit/>
+          </a:bodyPr>
           <a:lstStyle/>
           <a:p>
             <a:r>
               <a:rPr lang="zh-CN" altLang="en-US" dirty="0">
                 <a:sym typeface="Wingdings" panose="05000000000000000000" pitchFamily="2" charset="2"/>
               </a:rPr>
-              <a:t>换一种方式，固定支持向量满足</a:t>
+              <a:t>换一种方式，固定</a:t>
+            </a:r>
+            <a:r>
+              <a:rPr lang="en-US" altLang="zh-CN" dirty="0">
+                <a:sym typeface="Wingdings" panose="05000000000000000000" pitchFamily="2" charset="2"/>
+              </a:rPr>
+              <a:t>d+1</a:t>
+            </a:r>
+            <a:r>
+              <a:rPr lang="zh-CN" altLang="en-US" dirty="0">
+                <a:sym typeface="Wingdings" panose="05000000000000000000" pitchFamily="2" charset="2"/>
+              </a:rPr>
+              <a:t>个支持向量</a:t>
+            </a:r>
+            <a:r>
+              <a:rPr lang="en-US" altLang="zh-CN" dirty="0">
+                <a:sym typeface="Wingdings" panose="05000000000000000000" pitchFamily="2" charset="2"/>
+              </a:rPr>
+              <a:t>x</a:t>
+            </a:r>
+            <a:r>
+              <a:rPr lang="zh-CN" altLang="en-US" dirty="0">
+                <a:sym typeface="Wingdings" panose="05000000000000000000" pitchFamily="2" charset="2"/>
+              </a:rPr>
+              <a:t>，寻找</a:t>
+            </a:r>
+            <a:r>
+              <a:rPr lang="en-US" altLang="zh-CN" dirty="0">
+                <a:sym typeface="Wingdings" panose="05000000000000000000" pitchFamily="2" charset="2"/>
+              </a:rPr>
+              <a:t>w</a:t>
+            </a:r>
+            <a:r>
+              <a:rPr lang="zh-CN" altLang="en-US" dirty="0">
+                <a:sym typeface="Wingdings" panose="05000000000000000000" pitchFamily="2" charset="2"/>
+              </a:rPr>
+              <a:t>和</a:t>
+            </a:r>
+            <a:r>
+              <a:rPr lang="en-US" altLang="zh-CN" dirty="0">
+                <a:sym typeface="Wingdings" panose="05000000000000000000" pitchFamily="2" charset="2"/>
+              </a:rPr>
+              <a:t>b</a:t>
+            </a:r>
+            <a:r>
+              <a:rPr lang="zh-CN" altLang="en-US" dirty="0">
+                <a:sym typeface="Wingdings" panose="05000000000000000000" pitchFamily="2" charset="2"/>
+              </a:rPr>
+              <a:t>，使其满足</a:t>
             </a:r>
             <a:endParaRPr lang="en-US" altLang="zh-CN" dirty="0">
               <a:sym typeface="Wingdings" panose="05000000000000000000" pitchFamily="2" charset="2"/>
             </a:endParaRPr>
           </a:p>
           <a:p>
-            <a:endParaRPr lang="en-US" altLang="zh-CN" dirty="0">
-              <a:sym typeface="Wingdings" panose="05000000000000000000" pitchFamily="2" charset="2"/>
-            </a:endParaRPr>
-          </a:p>
-          <a:p>
+            <a:pPr marL="0" indent="0">
+              <a:buNone/>
+            </a:pPr>
             <a:endParaRPr lang="en-US" altLang="zh-CN" dirty="0">
               <a:sym typeface="Wingdings" panose="05000000000000000000" pitchFamily="2" charset="2"/>
             </a:endParaRPr>
@@ -4599,6 +4730,51 @@
                 </a:solidFill>
               </a:rPr>
               <a:t>不一定为单位向量了</a:t>
+            </a:r>
+            <a:endParaRPr lang="en-US" altLang="zh-CN" b="1" dirty="0">
+              <a:solidFill>
+                <a:srgbClr val="FF0000"/>
+              </a:solidFill>
+            </a:endParaRPr>
+          </a:p>
+          <a:p>
+            <a:r>
+              <a:rPr lang="zh-CN" altLang="en-US" dirty="0"/>
+              <a:t>距离记为 𝛾</a:t>
+            </a:r>
+            <a:endParaRPr lang="en-US" altLang="zh-CN" dirty="0"/>
+          </a:p>
+          <a:p>
+            <a:r>
+              <a:rPr lang="zh-CN" altLang="en-US" dirty="0">
+                <a:sym typeface="Wingdings" panose="05000000000000000000" pitchFamily="2" charset="2"/>
+              </a:rPr>
+              <a:t>所以有</a:t>
+            </a:r>
+            <a:endParaRPr lang="en-US" altLang="zh-CN" dirty="0">
+              <a:sym typeface="Wingdings" panose="05000000000000000000" pitchFamily="2" charset="2"/>
+            </a:endParaRPr>
+          </a:p>
+          <a:p>
+            <a:endParaRPr lang="en-US" altLang="zh-CN" dirty="0">
+              <a:sym typeface="Wingdings" panose="05000000000000000000" pitchFamily="2" charset="2"/>
+            </a:endParaRPr>
+          </a:p>
+          <a:p>
+            <a:endParaRPr lang="en-US" altLang="zh-CN" dirty="0">
+              <a:sym typeface="Wingdings" panose="05000000000000000000" pitchFamily="2" charset="2"/>
+            </a:endParaRPr>
+          </a:p>
+          <a:p>
+            <a:r>
+              <a:rPr lang="zh-CN" altLang="en-US" dirty="0">
+                <a:sym typeface="Wingdings" panose="05000000000000000000" pitchFamily="2" charset="2"/>
+              </a:rPr>
+              <a:t>最大化</a:t>
+            </a:r>
+            <a:r>
+              <a:rPr lang="zh-CN" altLang="en-US" dirty="0"/>
+              <a:t>𝛾</a:t>
             </a:r>
             <a:endParaRPr lang="en-US" altLang="zh-CN" dirty="0">
               <a:sym typeface="Wingdings" panose="05000000000000000000" pitchFamily="2" charset="2"/>
@@ -4622,7 +4798,7 @@
         </p:blipFill>
         <p:spPr>
           <a:xfrm>
-            <a:off x="1901794" y="2460698"/>
+            <a:off x="2500481" y="2312067"/>
             <a:ext cx="3362325" cy="714375"/>
           </a:xfrm>
           <a:prstGeom prst="rect">
@@ -4648,6 +4824,66 @@
           <a:xfrm>
             <a:off x="6003663" y="0"/>
             <a:ext cx="3140337" cy="1091821"/>
+          </a:xfrm>
+          <a:prstGeom prst="rect">
+            <a:avLst/>
+          </a:prstGeom>
+        </p:spPr>
+      </p:pic>
+      <p:pic>
+        <p:nvPicPr>
+          <p:cNvPr id="8" name="图片 7">
+            <a:extLst>
+              <a:ext uri="{FF2B5EF4-FFF2-40B4-BE49-F238E27FC236}">
+                <a16:creationId xmlns:a16="http://schemas.microsoft.com/office/drawing/2014/main" id="{273180B7-4D7C-764F-AD43-AFCF901BE53F}"/>
+              </a:ext>
+            </a:extLst>
+          </p:cNvPr>
+          <p:cNvPicPr>
+            <a:picLocks noChangeAspect="1"/>
+          </p:cNvPicPr>
+          <p:nvPr/>
+        </p:nvPicPr>
+        <p:blipFill>
+          <a:blip r:embed="rId4"/>
+          <a:stretch>
+            <a:fillRect/>
+          </a:stretch>
+        </p:blipFill>
+        <p:spPr>
+          <a:xfrm>
+            <a:off x="4814719" y="2918864"/>
+            <a:ext cx="4017309" cy="3774059"/>
+          </a:xfrm>
+          <a:prstGeom prst="rect">
+            <a:avLst/>
+          </a:prstGeom>
+        </p:spPr>
+      </p:pic>
+      <p:pic>
+        <p:nvPicPr>
+          <p:cNvPr id="9" name="内容占位符 4">
+            <a:extLst>
+              <a:ext uri="{FF2B5EF4-FFF2-40B4-BE49-F238E27FC236}">
+                <a16:creationId xmlns:a16="http://schemas.microsoft.com/office/drawing/2014/main" id="{9AE128F4-1D82-EF4E-B30B-F9709B1C7DCE}"/>
+              </a:ext>
+            </a:extLst>
+          </p:cNvPr>
+          <p:cNvPicPr>
+            <a:picLocks noChangeAspect="1"/>
+          </p:cNvPicPr>
+          <p:nvPr/>
+        </p:nvPicPr>
+        <p:blipFill>
+          <a:blip r:embed="rId5"/>
+          <a:stretch>
+            <a:fillRect/>
+          </a:stretch>
+        </p:blipFill>
+        <p:spPr>
+          <a:xfrm>
+            <a:off x="1238418" y="4805893"/>
+            <a:ext cx="2943225" cy="733425"/>
           </a:xfrm>
           <a:prstGeom prst="rect">
             <a:avLst/>
@@ -4963,7 +5199,7 @@
             </a:r>
             <a:r>
               <a:rPr lang="zh-CN" altLang="en-US" sz="4000" dirty="0"/>
-              <a:t>和支持向量之间</a:t>
+              <a:t>和支持向量、</a:t>
             </a:r>
             <a:br>
               <a:rPr lang="en-US" altLang="zh-CN" sz="4000" dirty="0"/>
@@ -5023,8 +5259,17 @@
           <a:p>
             <a:r>
               <a:rPr lang="zh-CN" altLang="en-US" dirty="0"/>
-              <a:t>优化</a:t>
-            </a:r>
+              <a:t>最小化</a:t>
+            </a:r>
+            <a:r>
+              <a:rPr lang="en-US" altLang="zh-CN" b="1" dirty="0"/>
+              <a:t>||W||</a:t>
+            </a:r>
+            <a:r>
+              <a:rPr lang="en-US" altLang="zh-CN" b="1" baseline="30000" dirty="0"/>
+              <a:t>2</a:t>
+            </a:r>
+            <a:endParaRPr lang="zh-CN" altLang="en-US" dirty="0"/>
           </a:p>
         </p:txBody>
       </p:sp>
@@ -5049,27 +5294,6 @@
             <a:normAutofit/>
           </a:bodyPr>
           <a:lstStyle/>
-          <a:p>
-            <a:pPr marL="0" indent="0" algn="ctr">
-              <a:buNone/>
-            </a:pPr>
-            <a:r>
-              <a:rPr lang="zh-CN" altLang="en-US" b="1" dirty="0">
-                <a:solidFill>
-                  <a:srgbClr val="FF0000"/>
-                </a:solidFill>
-              </a:rPr>
-              <a:t>最小化</a:t>
-            </a:r>
-            <a:r>
-              <a:rPr lang="en-US" altLang="zh-CN" b="1" dirty="0">
-                <a:solidFill>
-                  <a:srgbClr val="FF0000"/>
-                </a:solidFill>
-              </a:rPr>
-              <a:t>||W||</a:t>
-            </a:r>
-          </a:p>
           <a:p>
             <a:pPr marL="0" indent="0" algn="ctr">
               <a:buNone/>
@@ -5123,7 +5347,7 @@
         </p:blipFill>
         <p:spPr>
           <a:xfrm>
-            <a:off x="897766" y="4880952"/>
+            <a:off x="725644" y="4837287"/>
             <a:ext cx="4361427" cy="1296011"/>
           </a:xfrm>
           <a:prstGeom prst="rect">
@@ -5147,7 +5371,7 @@
         </p:blipFill>
         <p:spPr>
           <a:xfrm>
-            <a:off x="3914146" y="365126"/>
+            <a:off x="4236876" y="393160"/>
             <a:ext cx="4815190" cy="4444127"/>
           </a:xfrm>
           <a:prstGeom prst="rect">
@@ -5202,7 +5426,7 @@
           <a:p>
             <a:r>
               <a:rPr lang="zh-CN" altLang="en-US" dirty="0"/>
-              <a:t>优化</a:t>
+              <a:t>例</a:t>
             </a:r>
           </a:p>
         </p:txBody>

--- a/ppt/10-svm-model.pptx
+++ b/ppt/10-svm-model.pptx
@@ -216,7 +216,7 @@
           <a:p>
             <a:fld id="{C532CDA2-750D-FD45-A882-179FF79AAE4D}" type="datetimeFigureOut">
               <a:rPr kumimoji="1" lang="zh-CN" altLang="en-US" smtClean="0"/>
-              <a:t>2022/9/7</a:t>
+              <a:t>2023/9/25</a:t>
             </a:fld>
             <a:endParaRPr kumimoji="1" lang="zh-CN" altLang="en-US"/>
           </a:p>
@@ -614,7 +614,7 @@
           <a:p>
             <a:fld id="{863083FF-67D0-47DA-8916-8A170DE3AF72}" type="datetimeFigureOut">
               <a:rPr lang="zh-CN" altLang="en-US" smtClean="0"/>
-              <a:t>2022/9/7</a:t>
+              <a:t>2023/9/25</a:t>
             </a:fld>
             <a:endParaRPr lang="zh-CN" altLang="en-US"/>
           </a:p>
@@ -784,7 +784,7 @@
           <a:p>
             <a:fld id="{863083FF-67D0-47DA-8916-8A170DE3AF72}" type="datetimeFigureOut">
               <a:rPr lang="zh-CN" altLang="en-US" smtClean="0"/>
-              <a:t>2022/9/7</a:t>
+              <a:t>2023/9/25</a:t>
             </a:fld>
             <a:endParaRPr lang="zh-CN" altLang="en-US"/>
           </a:p>
@@ -964,7 +964,7 @@
           <a:p>
             <a:fld id="{863083FF-67D0-47DA-8916-8A170DE3AF72}" type="datetimeFigureOut">
               <a:rPr lang="zh-CN" altLang="en-US" smtClean="0"/>
-              <a:t>2022/9/7</a:t>
+              <a:t>2023/9/25</a:t>
             </a:fld>
             <a:endParaRPr lang="zh-CN" altLang="en-US"/>
           </a:p>
@@ -1134,7 +1134,7 @@
           <a:p>
             <a:fld id="{863083FF-67D0-47DA-8916-8A170DE3AF72}" type="datetimeFigureOut">
               <a:rPr lang="zh-CN" altLang="en-US" smtClean="0"/>
-              <a:t>2022/9/7</a:t>
+              <a:t>2023/9/25</a:t>
             </a:fld>
             <a:endParaRPr lang="zh-CN" altLang="en-US"/>
           </a:p>
@@ -1378,7 +1378,7 @@
           <a:p>
             <a:fld id="{863083FF-67D0-47DA-8916-8A170DE3AF72}" type="datetimeFigureOut">
               <a:rPr lang="zh-CN" altLang="en-US" smtClean="0"/>
-              <a:t>2022/9/7</a:t>
+              <a:t>2023/9/25</a:t>
             </a:fld>
             <a:endParaRPr lang="zh-CN" altLang="en-US"/>
           </a:p>
@@ -1610,7 +1610,7 @@
           <a:p>
             <a:fld id="{863083FF-67D0-47DA-8916-8A170DE3AF72}" type="datetimeFigureOut">
               <a:rPr lang="zh-CN" altLang="en-US" smtClean="0"/>
-              <a:t>2022/9/7</a:t>
+              <a:t>2023/9/25</a:t>
             </a:fld>
             <a:endParaRPr lang="zh-CN" altLang="en-US"/>
           </a:p>
@@ -1977,7 +1977,7 @@
           <a:p>
             <a:fld id="{863083FF-67D0-47DA-8916-8A170DE3AF72}" type="datetimeFigureOut">
               <a:rPr lang="zh-CN" altLang="en-US" smtClean="0"/>
-              <a:t>2022/9/7</a:t>
+              <a:t>2023/9/25</a:t>
             </a:fld>
             <a:endParaRPr lang="zh-CN" altLang="en-US"/>
           </a:p>
@@ -2095,7 +2095,7 @@
           <a:p>
             <a:fld id="{863083FF-67D0-47DA-8916-8A170DE3AF72}" type="datetimeFigureOut">
               <a:rPr lang="zh-CN" altLang="en-US" smtClean="0"/>
-              <a:t>2022/9/7</a:t>
+              <a:t>2023/9/25</a:t>
             </a:fld>
             <a:endParaRPr lang="zh-CN" altLang="en-US"/>
           </a:p>
@@ -2190,7 +2190,7 @@
           <a:p>
             <a:fld id="{863083FF-67D0-47DA-8916-8A170DE3AF72}" type="datetimeFigureOut">
               <a:rPr lang="zh-CN" altLang="en-US" smtClean="0"/>
-              <a:t>2022/9/7</a:t>
+              <a:t>2023/9/25</a:t>
             </a:fld>
             <a:endParaRPr lang="zh-CN" altLang="en-US"/>
           </a:p>
@@ -2467,7 +2467,7 @@
           <a:p>
             <a:fld id="{863083FF-67D0-47DA-8916-8A170DE3AF72}" type="datetimeFigureOut">
               <a:rPr lang="zh-CN" altLang="en-US" smtClean="0"/>
-              <a:t>2022/9/7</a:t>
+              <a:t>2023/9/25</a:t>
             </a:fld>
             <a:endParaRPr lang="zh-CN" altLang="en-US"/>
           </a:p>
@@ -2724,7 +2724,7 @@
           <a:p>
             <a:fld id="{863083FF-67D0-47DA-8916-8A170DE3AF72}" type="datetimeFigureOut">
               <a:rPr lang="zh-CN" altLang="en-US" smtClean="0"/>
-              <a:t>2022/9/7</a:t>
+              <a:t>2023/9/25</a:t>
             </a:fld>
             <a:endParaRPr lang="zh-CN" altLang="en-US"/>
           </a:p>
@@ -2937,7 +2937,7 @@
           <a:p>
             <a:fld id="{863083FF-67D0-47DA-8916-8A170DE3AF72}" type="datetimeFigureOut">
               <a:rPr lang="zh-CN" altLang="en-US" smtClean="0"/>
-              <a:t>2022/9/7</a:t>
+              <a:t>2023/9/25</a:t>
             </a:fld>
             <a:endParaRPr lang="zh-CN" altLang="en-US"/>
           </a:p>
@@ -3773,7 +3773,12 @@
             <p:ph type="title"/>
           </p:nvPr>
         </p:nvSpPr>
-        <p:spPr/>
+        <p:spPr>
+          <a:xfrm>
+            <a:off x="276362" y="-87387"/>
+            <a:ext cx="7886700" cy="1325563"/>
+          </a:xfrm>
+        </p:spPr>
         <p:txBody>
           <a:bodyPr/>
           <a:lstStyle/>
@@ -3869,18 +3874,47 @@
         </p:nvSpPr>
         <p:spPr>
           <a:xfrm>
-            <a:off x="600075" y="1690689"/>
-            <a:ext cx="3111749" cy="2246769"/>
+            <a:off x="505184" y="1008421"/>
+            <a:ext cx="3979758" cy="3108543"/>
           </a:xfrm>
           <a:prstGeom prst="rect">
             <a:avLst/>
           </a:prstGeom>
         </p:spPr>
         <p:txBody>
-          <a:bodyPr wrap="none">
+          <a:bodyPr wrap="square">
             <a:spAutoFit/>
           </a:bodyPr>
           <a:lstStyle/>
+          <a:p>
+            <a:r>
+              <a:rPr lang="en-US" altLang="zh-CN" sz="2800" b="1" dirty="0"/>
+              <a:t>L</a:t>
+            </a:r>
+            <a:r>
+              <a:rPr lang="zh-CN" altLang="en-US" sz="2800" b="1" dirty="0"/>
+              <a:t>：</a:t>
+            </a:r>
+            <a:r>
+              <a:rPr lang="en-US" altLang="zh-CN" sz="2800" b="1" dirty="0" err="1"/>
+              <a:t>wx+b</a:t>
+            </a:r>
+            <a:r>
+              <a:rPr lang="en-US" altLang="zh-CN" sz="2800" b="1" dirty="0"/>
+              <a:t>=0</a:t>
+            </a:r>
+          </a:p>
+          <a:p>
+            <a:r>
+              <a:rPr lang="en-US" altLang="zh-CN" sz="2800" b="1" dirty="0"/>
+              <a:t>w</a:t>
+            </a:r>
+            <a:r>
+              <a:rPr lang="zh-CN" altLang="en-US" sz="2800" b="1" dirty="0"/>
+              <a:t> 为单位向量</a:t>
+            </a:r>
+            <a:endParaRPr lang="en-US" altLang="zh-CN" sz="2800" b="1" dirty="0"/>
+          </a:p>
           <a:p>
             <a:r>
               <a:rPr lang="en-US" altLang="zh-CN" sz="2800" b="1" dirty="0"/>
@@ -4652,7 +4686,7 @@
               <a:rPr lang="zh-CN" altLang="en-US" dirty="0">
                 <a:sym typeface="Wingdings" panose="05000000000000000000" pitchFamily="2" charset="2"/>
               </a:rPr>
-              <a:t>换一种方式，固定</a:t>
+              <a:t>记</a:t>
             </a:r>
             <a:r>
               <a:rPr lang="en-US" altLang="zh-CN" dirty="0">
@@ -4676,31 +4710,7 @@
               <a:rPr lang="zh-CN" altLang="en-US" dirty="0">
                 <a:sym typeface="Wingdings" panose="05000000000000000000" pitchFamily="2" charset="2"/>
               </a:rPr>
-              <a:t>，寻找</a:t>
-            </a:r>
-            <a:r>
-              <a:rPr lang="en-US" altLang="zh-CN" dirty="0">
-                <a:sym typeface="Wingdings" panose="05000000000000000000" pitchFamily="2" charset="2"/>
-              </a:rPr>
-              <a:t>w</a:t>
-            </a:r>
-            <a:r>
-              <a:rPr lang="zh-CN" altLang="en-US" dirty="0">
-                <a:sym typeface="Wingdings" panose="05000000000000000000" pitchFamily="2" charset="2"/>
-              </a:rPr>
-              <a:t>和</a:t>
-            </a:r>
-            <a:r>
-              <a:rPr lang="en-US" altLang="zh-CN" dirty="0">
-                <a:sym typeface="Wingdings" panose="05000000000000000000" pitchFamily="2" charset="2"/>
-              </a:rPr>
-              <a:t>b</a:t>
-            </a:r>
-            <a:r>
-              <a:rPr lang="zh-CN" altLang="en-US" dirty="0">
-                <a:sym typeface="Wingdings" panose="05000000000000000000" pitchFamily="2" charset="2"/>
-              </a:rPr>
-              <a:t>，使其满足</a:t>
+              <a:t>，它们撑起两个并行的边界</a:t>
             </a:r>
             <a:endParaRPr lang="en-US" altLang="zh-CN" dirty="0">
               <a:sym typeface="Wingdings" panose="05000000000000000000" pitchFamily="2" charset="2"/>
@@ -4712,6 +4722,13 @@
             </a:pPr>
             <a:endParaRPr lang="en-US" altLang="zh-CN" dirty="0">
               <a:sym typeface="Wingdings" panose="05000000000000000000" pitchFamily="2" charset="2"/>
+            </a:endParaRPr>
+          </a:p>
+          <a:p>
+            <a:endParaRPr lang="en-US" altLang="zh-CN" b="1" dirty="0">
+              <a:solidFill>
+                <a:srgbClr val="FF0000"/>
+              </a:solidFill>
             </a:endParaRPr>
           </a:p>
           <a:p>
@@ -4739,23 +4756,29 @@
           </a:p>
           <a:p>
             <a:r>
-              <a:rPr lang="zh-CN" altLang="en-US" dirty="0"/>
-              <a:t>距离记为 𝛾</a:t>
-            </a:r>
-            <a:endParaRPr lang="en-US" altLang="zh-CN" dirty="0"/>
-          </a:p>
-          <a:p>
-            <a:r>
               <a:rPr lang="zh-CN" altLang="en-US" dirty="0">
                 <a:sym typeface="Wingdings" panose="05000000000000000000" pitchFamily="2" charset="2"/>
               </a:rPr>
-              <a:t>所以有</a:t>
+              <a:t>最大化它们的距离</a:t>
             </a:r>
             <a:endParaRPr lang="en-US" altLang="zh-CN" dirty="0">
               <a:sym typeface="Wingdings" panose="05000000000000000000" pitchFamily="2" charset="2"/>
             </a:endParaRPr>
           </a:p>
           <a:p>
+            <a:r>
+              <a:rPr lang="zh-CN" altLang="en-US" dirty="0"/>
+              <a:t>它们的距离 𝛾 是？</a:t>
+            </a:r>
+            <a:endParaRPr lang="en-US" altLang="zh-CN" dirty="0"/>
+          </a:p>
+          <a:p>
+            <a:r>
+              <a:rPr lang="zh-CN" altLang="en-US" dirty="0">
+                <a:sym typeface="Wingdings" panose="05000000000000000000" pitchFamily="2" charset="2"/>
+              </a:rPr>
+              <a:t>取</a:t>
+            </a:r>
             <a:endParaRPr lang="en-US" altLang="zh-CN" dirty="0">
               <a:sym typeface="Wingdings" panose="05000000000000000000" pitchFamily="2" charset="2"/>
             </a:endParaRPr>
@@ -4770,12 +4793,36 @@
               <a:rPr lang="zh-CN" altLang="en-US" dirty="0">
                 <a:sym typeface="Wingdings" panose="05000000000000000000" pitchFamily="2" charset="2"/>
               </a:rPr>
-              <a:t>最大化</a:t>
-            </a:r>
-            <a:r>
-              <a:rPr lang="zh-CN" altLang="en-US" dirty="0"/>
-              <a:t>𝛾</a:t>
-            </a:r>
+              <a:t>它在 </a:t>
+            </a:r>
+            <a:r>
+              <a:rPr lang="en-US" altLang="zh-CN" dirty="0" err="1">
+                <a:sym typeface="Wingdings" panose="05000000000000000000" pitchFamily="2" charset="2"/>
+              </a:rPr>
+              <a:t>wx</a:t>
+            </a:r>
+            <a:r>
+              <a:rPr lang="en-US" altLang="zh-CN" dirty="0">
+                <a:sym typeface="Wingdings" panose="05000000000000000000" pitchFamily="2" charset="2"/>
+              </a:rPr>
+              <a:t> + b = 1</a:t>
+            </a:r>
+            <a:r>
+              <a:rPr lang="zh-CN" altLang="en-US" dirty="0">
+                <a:sym typeface="Wingdings" panose="05000000000000000000" pitchFamily="2" charset="2"/>
+              </a:rPr>
+              <a:t> 上</a:t>
+            </a:r>
+            <a:endParaRPr lang="en-US" altLang="zh-CN" dirty="0">
+              <a:sym typeface="Wingdings" panose="05000000000000000000" pitchFamily="2" charset="2"/>
+            </a:endParaRPr>
+          </a:p>
+          <a:p>
+            <a:endParaRPr lang="en-US" altLang="zh-CN" dirty="0">
+              <a:sym typeface="Wingdings" panose="05000000000000000000" pitchFamily="2" charset="2"/>
+            </a:endParaRPr>
+          </a:p>
+          <a:p>
             <a:endParaRPr lang="en-US" altLang="zh-CN" dirty="0">
               <a:sym typeface="Wingdings" panose="05000000000000000000" pitchFamily="2" charset="2"/>
             </a:endParaRPr>
@@ -4882,7 +4929,7 @@
         </p:blipFill>
         <p:spPr>
           <a:xfrm>
-            <a:off x="1238418" y="4805893"/>
+            <a:off x="1657905" y="5016826"/>
             <a:ext cx="2943225" cy="733425"/>
           </a:xfrm>
           <a:prstGeom prst="rect">
@@ -4938,7 +4985,7 @@
         </p:blipFill>
         <p:spPr>
           <a:xfrm>
-            <a:off x="633944" y="1533924"/>
+            <a:off x="564088" y="1472613"/>
             <a:ext cx="2943225" cy="733425"/>
           </a:xfrm>
           <a:prstGeom prst="rect">
@@ -4978,16 +5025,15 @@
           </p:cNvPicPr>
           <p:nvPr/>
         </p:nvPicPr>
-        <p:blipFill>
+        <p:blipFill rotWithShape="1">
           <a:blip r:embed="rId4"/>
-          <a:stretch>
-            <a:fillRect/>
-          </a:stretch>
+          <a:srcRect b="40464"/>
+          <a:stretch/>
         </p:blipFill>
         <p:spPr>
           <a:xfrm>
-            <a:off x="544680" y="2488136"/>
-            <a:ext cx="2721979" cy="849946"/>
+            <a:off x="499284" y="3093677"/>
+            <a:ext cx="2721979" cy="506024"/>
           </a:xfrm>
           <a:prstGeom prst="rect">
             <a:avLst/>
@@ -5183,7 +5229,7 @@
         </p:nvSpPr>
         <p:spPr>
           <a:xfrm>
-            <a:off x="278038" y="307573"/>
+            <a:off x="255200" y="0"/>
             <a:ext cx="7886700" cy="1325563"/>
           </a:xfrm>
         </p:spPr>
@@ -5194,21 +5240,65 @@
           <a:lstStyle/>
           <a:p>
             <a:r>
-              <a:rPr lang="en-US" altLang="zh-CN" sz="4000" dirty="0"/>
-              <a:t>w</a:t>
-            </a:r>
-            <a:r>
               <a:rPr lang="zh-CN" altLang="en-US" sz="4000" dirty="0"/>
-              <a:t>和支持向量、</a:t>
-            </a:r>
-            <a:br>
-              <a:rPr lang="en-US" altLang="zh-CN" sz="4000" dirty="0"/>
-            </a:br>
-            <a:r>
-              <a:rPr lang="zh-CN" altLang="en-US" sz="4000" dirty="0"/>
-              <a:t>距离𝛾的关系</a:t>
+              <a:t>求距离𝛾</a:t>
             </a:r>
             <a:endParaRPr lang="en-US" altLang="zh-CN" sz="4000" dirty="0"/>
+          </a:p>
+        </p:txBody>
+      </p:sp>
+      <p:sp>
+        <p:nvSpPr>
+          <p:cNvPr id="2" name="标题 1">
+            <a:extLst>
+              <a:ext uri="{FF2B5EF4-FFF2-40B4-BE49-F238E27FC236}">
+                <a16:creationId xmlns:a16="http://schemas.microsoft.com/office/drawing/2014/main" id="{41B582CA-345C-FCFD-81F5-8B0C936C6931}"/>
+              </a:ext>
+            </a:extLst>
+          </p:cNvPr>
+          <p:cNvSpPr txBox="1">
+            <a:spLocks/>
+          </p:cNvSpPr>
+          <p:nvPr/>
+        </p:nvSpPr>
+        <p:spPr>
+          <a:xfrm>
+            <a:off x="499284" y="2021126"/>
+            <a:ext cx="7886700" cy="1325563"/>
+          </a:xfrm>
+          <a:prstGeom prst="rect">
+            <a:avLst/>
+          </a:prstGeom>
+        </p:spPr>
+        <p:txBody>
+          <a:bodyPr vert="horz" lIns="91440" tIns="45720" rIns="91440" bIns="45720" rtlCol="0" anchor="ctr">
+            <a:normAutofit/>
+          </a:bodyPr>
+          <a:lstStyle>
+            <a:lvl1pPr algn="l" defTabSz="914400" rtl="0" eaLnBrk="1" latinLnBrk="0" hangingPunct="1">
+              <a:lnSpc>
+                <a:spcPct val="90000"/>
+              </a:lnSpc>
+              <a:spcBef>
+                <a:spcPct val="0"/>
+              </a:spcBef>
+              <a:buNone/>
+              <a:defRPr sz="4400" kern="1200">
+                <a:solidFill>
+                  <a:schemeClr val="tx1"/>
+                </a:solidFill>
+                <a:latin typeface="+mj-lt"/>
+                <a:ea typeface="+mj-ea"/>
+                <a:cs typeface="+mj-cs"/>
+              </a:defRPr>
+            </a:lvl1pPr>
+          </a:lstStyle>
+          <a:p>
+            <a:r>
+              <a:rPr lang="zh-CN" altLang="en-US" sz="3200" dirty="0"/>
+              <a:t>代入</a:t>
+            </a:r>
+            <a:endParaRPr lang="en-US" altLang="zh-CN" sz="3200" dirty="0"/>
           </a:p>
         </p:txBody>
       </p:sp>
